--- a/clase1/teoria/clase1.pptx
+++ b/clase1/teoria/clase1.pptx
@@ -10,6 +10,9 @@
     <p:sldId id="258" r:id="rId4"/>
     <p:sldId id="259" r:id="rId5"/>
     <p:sldId id="260" r:id="rId6"/>
+    <p:sldId id="261" r:id="rId7"/>
+    <p:sldId id="263" r:id="rId8"/>
+    <p:sldId id="262" r:id="rId9"/>
   </p:sldIdLst>
   <p:sldSz cx="12192000" cy="6858000"/>
   <p:notesSz cx="6858000" cy="9144000"/>
@@ -11347,8 +11350,8 @@
         </p:nvSpPr>
         <p:spPr>
           <a:xfrm>
-            <a:off x="5604846" y="860615"/>
-            <a:ext cx="5886519" cy="1272986"/>
+            <a:off x="5814465" y="860615"/>
+            <a:ext cx="5676900" cy="1272986"/>
           </a:xfrm>
         </p:spPr>
         <p:txBody>
@@ -11691,7 +11694,7 @@
         <p:spPr>
           <a:xfrm>
             <a:off x="-64120" y="0"/>
-            <a:ext cx="5676899" cy="6858000"/>
+            <a:ext cx="5676900" cy="6858000"/>
           </a:xfrm>
           <a:prstGeom prst="rect">
             <a:avLst/>
@@ -11749,6 +11752,768 @@
     <p:extLst>
       <p:ext uri="{BB962C8B-B14F-4D97-AF65-F5344CB8AC3E}">
         <p14:creationId xmlns:p14="http://schemas.microsoft.com/office/powerpoint/2010/main" val="1223687063"/>
+      </p:ext>
+    </p:extLst>
+  </p:cSld>
+  <p:clrMapOvr>
+    <a:masterClrMapping/>
+  </p:clrMapOvr>
+</p:sld>
+</file>
+
+<file path=ppt/slides/slide6.xml><?xml version="1.0" encoding="utf-8"?>
+<p:sld xmlns:a="http://schemas.openxmlformats.org/drawingml/2006/main" xmlns:r="http://schemas.openxmlformats.org/officeDocument/2006/relationships" xmlns:p="http://schemas.openxmlformats.org/presentationml/2006/main">
+  <p:cSld>
+    <p:spTree>
+      <p:nvGrpSpPr>
+        <p:cNvPr id="1" name="">
+          <a:extLst>
+            <a:ext uri="{FF2B5EF4-FFF2-40B4-BE49-F238E27FC236}">
+              <a16:creationId xmlns:a16="http://schemas.microsoft.com/office/drawing/2014/main" id="{C7C22D8D-8158-EA57-7B1F-0816768294FF}"/>
+            </a:ext>
+          </a:extLst>
+        </p:cNvPr>
+        <p:cNvGrpSpPr/>
+        <p:nvPr/>
+      </p:nvGrpSpPr>
+      <p:grpSpPr>
+        <a:xfrm>
+          <a:off x="0" y="0"/>
+          <a:ext cx="0" cy="0"/>
+          <a:chOff x="0" y="0"/>
+          <a:chExt cx="0" cy="0"/>
+        </a:xfrm>
+      </p:grpSpPr>
+      <p:sp>
+        <p:nvSpPr>
+          <p:cNvPr id="2" name="Title 1">
+            <a:extLst>
+              <a:ext uri="{FF2B5EF4-FFF2-40B4-BE49-F238E27FC236}">
+                <a16:creationId xmlns:a16="http://schemas.microsoft.com/office/drawing/2014/main" id="{2D5FB12C-666D-EB08-F99F-22C6671C79CE}"/>
+              </a:ext>
+            </a:extLst>
+          </p:cNvPr>
+          <p:cNvSpPr>
+            <a:spLocks noGrp="1"/>
+          </p:cNvSpPr>
+          <p:nvPr>
+            <p:ph type="title"/>
+          </p:nvPr>
+        </p:nvSpPr>
+        <p:spPr/>
+        <p:txBody>
+          <a:bodyPr/>
+          <a:lstStyle/>
+          <a:p>
+            <a:r>
+              <a:rPr lang="es-ES_tradnl" dirty="0"/>
+              <a:t>Programa</a:t>
+            </a:r>
+          </a:p>
+        </p:txBody>
+      </p:sp>
+      <p:sp>
+        <p:nvSpPr>
+          <p:cNvPr id="5" name="Footer Placeholder 4">
+            <a:extLst>
+              <a:ext uri="{FF2B5EF4-FFF2-40B4-BE49-F238E27FC236}">
+                <a16:creationId xmlns:a16="http://schemas.microsoft.com/office/drawing/2014/main" id="{40D76B8D-56FF-ECAA-24DD-0103B384A4F0}"/>
+              </a:ext>
+            </a:extLst>
+          </p:cNvPr>
+          <p:cNvSpPr>
+            <a:spLocks noGrp="1"/>
+          </p:cNvSpPr>
+          <p:nvPr>
+            <p:ph type="ftr" sz="quarter" idx="11"/>
+          </p:nvPr>
+        </p:nvSpPr>
+        <p:spPr/>
+        <p:txBody>
+          <a:bodyPr/>
+          <a:lstStyle/>
+          <a:p>
+            <a:pPr>
+              <a:spcAft>
+                <a:spcPts val="600"/>
+              </a:spcAft>
+            </a:pPr>
+            <a:r>
+              <a:rPr lang="es-ES_tradnl" dirty="0"/>
+              <a:t>Inteligencia Artificial – CEIA – FIUBA</a:t>
+            </a:r>
+          </a:p>
+        </p:txBody>
+      </p:sp>
+      <p:sp>
+        <p:nvSpPr>
+          <p:cNvPr id="6" name="Slide Number Placeholder 5">
+            <a:extLst>
+              <a:ext uri="{FF2B5EF4-FFF2-40B4-BE49-F238E27FC236}">
+                <a16:creationId xmlns:a16="http://schemas.microsoft.com/office/drawing/2014/main" id="{963FDB2A-A8F6-760F-FB2A-F67B4D090883}"/>
+              </a:ext>
+            </a:extLst>
+          </p:cNvPr>
+          <p:cNvSpPr>
+            <a:spLocks noGrp="1"/>
+          </p:cNvSpPr>
+          <p:nvPr>
+            <p:ph type="sldNum" sz="quarter" idx="12"/>
+          </p:nvPr>
+        </p:nvSpPr>
+        <p:spPr/>
+        <p:txBody>
+          <a:bodyPr/>
+          <a:lstStyle/>
+          <a:p>
+            <a:fld id="{87E7843D-FF13-4365-9478-9625B70A2705}" type="slidenum">
+              <a:rPr lang="en-US" smtClean="0"/>
+              <a:t>6</a:t>
+            </a:fld>
+            <a:endParaRPr lang="en-US"/>
+          </a:p>
+        </p:txBody>
+      </p:sp>
+      <p:sp>
+        <p:nvSpPr>
+          <p:cNvPr id="4" name="Content Placeholder 3">
+            <a:extLst>
+              <a:ext uri="{FF2B5EF4-FFF2-40B4-BE49-F238E27FC236}">
+                <a16:creationId xmlns:a16="http://schemas.microsoft.com/office/drawing/2014/main" id="{65661841-912D-1F63-1AE2-429387CFBD93}"/>
+              </a:ext>
+            </a:extLst>
+          </p:cNvPr>
+          <p:cNvSpPr>
+            <a:spLocks noGrp="1"/>
+          </p:cNvSpPr>
+          <p:nvPr>
+            <p:ph idx="1"/>
+          </p:nvPr>
+        </p:nvSpPr>
+        <p:spPr/>
+        <p:txBody>
+          <a:bodyPr/>
+          <a:lstStyle/>
+          <a:p>
+            <a:endParaRPr lang="es-ES_tradnl"/>
+          </a:p>
+        </p:txBody>
+      </p:sp>
+      <p:sp>
+        <p:nvSpPr>
+          <p:cNvPr id="7" name="TextBox 6">
+            <a:extLst>
+              <a:ext uri="{FF2B5EF4-FFF2-40B4-BE49-F238E27FC236}">
+                <a16:creationId xmlns:a16="http://schemas.microsoft.com/office/drawing/2014/main" id="{2D6BD574-B35D-ABB3-53E3-788236C05CF4}"/>
+              </a:ext>
+            </a:extLst>
+          </p:cNvPr>
+          <p:cNvSpPr txBox="1"/>
+          <p:nvPr/>
+        </p:nvSpPr>
+        <p:spPr>
+          <a:xfrm>
+            <a:off x="715383" y="1681324"/>
+            <a:ext cx="1428596" cy="369332"/>
+          </a:xfrm>
+          <a:prstGeom prst="rect">
+            <a:avLst/>
+          </a:prstGeom>
+          <a:noFill/>
+        </p:spPr>
+        <p:txBody>
+          <a:bodyPr wrap="none" rtlCol="0">
+            <a:spAutoFit/>
+          </a:bodyPr>
+          <a:lstStyle/>
+          <a:p>
+            <a:r>
+              <a:rPr lang="es-ES_tradnl" dirty="0">
+                <a:latin typeface="+mj-lt"/>
+              </a:rPr>
+              <a:t>Clase a clase</a:t>
+            </a:r>
+          </a:p>
+        </p:txBody>
+      </p:sp>
+    </p:spTree>
+    <p:extLst>
+      <p:ext uri="{BB962C8B-B14F-4D97-AF65-F5344CB8AC3E}">
+        <p14:creationId xmlns:p14="http://schemas.microsoft.com/office/powerpoint/2010/main" val="3362505495"/>
+      </p:ext>
+    </p:extLst>
+  </p:cSld>
+  <p:clrMapOvr>
+    <a:masterClrMapping/>
+  </p:clrMapOvr>
+</p:sld>
+</file>
+
+<file path=ppt/slides/slide7.xml><?xml version="1.0" encoding="utf-8"?>
+<p:sld xmlns:a="http://schemas.openxmlformats.org/drawingml/2006/main" xmlns:r="http://schemas.openxmlformats.org/officeDocument/2006/relationships" xmlns:p="http://schemas.openxmlformats.org/presentationml/2006/main">
+  <p:cSld>
+    <p:bg>
+      <p:bgPr>
+        <a:solidFill>
+          <a:schemeClr val="bg1"/>
+        </a:solidFill>
+        <a:effectLst/>
+      </p:bgPr>
+    </p:bg>
+    <p:spTree>
+      <p:nvGrpSpPr>
+        <p:cNvPr id="1" name="">
+          <a:extLst>
+            <a:ext uri="{FF2B5EF4-FFF2-40B4-BE49-F238E27FC236}">
+              <a16:creationId xmlns:a16="http://schemas.microsoft.com/office/drawing/2014/main" id="{F94BECB4-F27B-1CC7-39C4-7E93D59BFB2D}"/>
+            </a:ext>
+          </a:extLst>
+        </p:cNvPr>
+        <p:cNvGrpSpPr/>
+        <p:nvPr/>
+      </p:nvGrpSpPr>
+      <p:grpSpPr>
+        <a:xfrm>
+          <a:off x="0" y="0"/>
+          <a:ext cx="0" cy="0"/>
+          <a:chOff x="0" y="0"/>
+          <a:chExt cx="0" cy="0"/>
+        </a:xfrm>
+      </p:grpSpPr>
+      <p:sp useBgFill="1">
+        <p:nvSpPr>
+          <p:cNvPr id="9" name="Rectangle 8">
+            <a:extLst>
+              <a:ext uri="{FF2B5EF4-FFF2-40B4-BE49-F238E27FC236}">
+                <a16:creationId xmlns:a16="http://schemas.microsoft.com/office/drawing/2014/main" id="{33E93247-6229-44AB-A550-739E971E690B}"/>
+              </a:ext>
+              <a:ext uri="{C183D7F6-B498-43B3-948B-1728B52AA6E4}">
+                <adec:decorative xmlns:adec="http://schemas.microsoft.com/office/drawing/2017/decorative" val="1"/>
+              </a:ext>
+            </a:extLst>
+          </p:cNvPr>
+          <p:cNvSpPr>
+            <a:spLocks noGrp="1" noRot="1" noChangeAspect="1" noMove="1" noResize="1" noEditPoints="1" noAdjustHandles="1" noChangeArrowheads="1" noChangeShapeType="1" noTextEdit="1"/>
+          </p:cNvSpPr>
+          <p:nvPr>
+            <p:extLst>
+              <p:ext uri="{386F3935-93C4-4BCD-93E2-E3B085C9AB24}">
+                <p16:designElem xmlns:p16="http://schemas.microsoft.com/office/powerpoint/2015/main" val="1"/>
+              </p:ext>
+            </p:extLst>
+          </p:nvPr>
+        </p:nvSpPr>
+        <p:spPr>
+          <a:xfrm>
+            <a:off x="0" y="0"/>
+            <a:ext cx="12192000" cy="6858000"/>
+          </a:xfrm>
+          <a:prstGeom prst="rect">
+            <a:avLst/>
+          </a:prstGeom>
+          <a:ln w="12700" cap="flat" cmpd="sng" algn="ctr">
+            <a:noFill/>
+            <a:prstDash val="solid"/>
+            <a:miter lim="800000"/>
+          </a:ln>
+          <a:effectLst/>
+          <a:extLst>
+            <a:ext uri="{91240B29-F687-4F45-9708-019B960494DF}">
+              <a14:hiddenLine xmlns:a14="http://schemas.microsoft.com/office/drawing/2010/main" w="12700" cap="flat" cmpd="sng" algn="ctr">
+                <a:solidFill>
+                  <a:schemeClr val="accent1">
+                    <a:shade val="50000"/>
+                  </a:schemeClr>
+                </a:solidFill>
+                <a:prstDash val="solid"/>
+                <a:miter lim="800000"/>
+              </a14:hiddenLine>
+            </a:ext>
+          </a:extLst>
+        </p:spPr>
+        <p:style>
+          <a:lnRef idx="2">
+            <a:schemeClr val="accent1">
+              <a:shade val="50000"/>
+            </a:schemeClr>
+          </a:lnRef>
+          <a:fillRef idx="1">
+            <a:schemeClr val="accent1"/>
+          </a:fillRef>
+          <a:effectRef idx="0">
+            <a:schemeClr val="accent1"/>
+          </a:effectRef>
+          <a:fontRef idx="minor">
+            <a:schemeClr val="lt1"/>
+          </a:fontRef>
+        </p:style>
+        <p:txBody>
+          <a:bodyPr rtlCol="0" anchor="ctr"/>
+          <a:lstStyle/>
+          <a:p>
+            <a:pPr algn="ctr"/>
+            <a:endParaRPr lang="en-US"/>
+          </a:p>
+        </p:txBody>
+      </p:sp>
+      <p:sp>
+        <p:nvSpPr>
+          <p:cNvPr id="11" name="Rectangle 10">
+            <a:extLst>
+              <a:ext uri="{FF2B5EF4-FFF2-40B4-BE49-F238E27FC236}">
+                <a16:creationId xmlns:a16="http://schemas.microsoft.com/office/drawing/2014/main" id="{BC30665E-D592-446F-98EB-15F172A22697}"/>
+              </a:ext>
+              <a:ext uri="{C183D7F6-B498-43B3-948B-1728B52AA6E4}">
+                <adec:decorative xmlns:adec="http://schemas.microsoft.com/office/drawing/2017/decorative" val="1"/>
+              </a:ext>
+            </a:extLst>
+          </p:cNvPr>
+          <p:cNvSpPr>
+            <a:spLocks noGrp="1" noRot="1" noChangeAspect="1" noMove="1" noResize="1" noEditPoints="1" noAdjustHandles="1" noChangeArrowheads="1" noChangeShapeType="1" noTextEdit="1"/>
+          </p:cNvSpPr>
+          <p:nvPr>
+            <p:extLst>
+              <p:ext uri="{386F3935-93C4-4BCD-93E2-E3B085C9AB24}">
+                <p16:designElem xmlns:p16="http://schemas.microsoft.com/office/powerpoint/2015/main" val="1"/>
+              </p:ext>
+            </p:extLst>
+          </p:nvPr>
+        </p:nvSpPr>
+        <p:spPr>
+          <a:xfrm>
+            <a:off x="0" y="0"/>
+            <a:ext cx="12192000" cy="6858000"/>
+          </a:xfrm>
+          <a:prstGeom prst="rect">
+            <a:avLst/>
+          </a:prstGeom>
+          <a:solidFill>
+            <a:schemeClr val="tx1"/>
+          </a:solidFill>
+          <a:ln w="12700" cap="flat" cmpd="sng" algn="ctr">
+            <a:noFill/>
+            <a:prstDash val="solid"/>
+            <a:miter lim="800000"/>
+          </a:ln>
+          <a:effectLst/>
+        </p:spPr>
+        <p:style>
+          <a:lnRef idx="2">
+            <a:schemeClr val="accent1">
+              <a:shade val="50000"/>
+            </a:schemeClr>
+          </a:lnRef>
+          <a:fillRef idx="1">
+            <a:schemeClr val="accent1"/>
+          </a:fillRef>
+          <a:effectRef idx="0">
+            <a:schemeClr val="accent1"/>
+          </a:effectRef>
+          <a:fontRef idx="minor">
+            <a:schemeClr val="lt1"/>
+          </a:fontRef>
+        </p:style>
+        <p:txBody>
+          <a:bodyPr rtlCol="0" anchor="ctr"/>
+          <a:lstStyle/>
+          <a:p>
+            <a:pPr algn="ctr"/>
+            <a:endParaRPr lang="en-US"/>
+          </a:p>
+        </p:txBody>
+      </p:sp>
+      <p:cxnSp>
+        <p:nvCxnSpPr>
+          <p:cNvPr id="13" name="Straight Connector 12">
+            <a:extLst>
+              <a:ext uri="{FF2B5EF4-FFF2-40B4-BE49-F238E27FC236}">
+                <a16:creationId xmlns:a16="http://schemas.microsoft.com/office/drawing/2014/main" id="{EE2E603F-4A95-4FE8-BB06-211DFD75DBEF}"/>
+              </a:ext>
+              <a:ext uri="{C183D7F6-B498-43B3-948B-1728B52AA6E4}">
+                <adec:decorative xmlns:adec="http://schemas.microsoft.com/office/drawing/2017/decorative" val="1"/>
+              </a:ext>
+            </a:extLst>
+          </p:cNvPr>
+          <p:cNvCxnSpPr>
+            <a:cxnSpLocks noGrp="1" noRot="1" noChangeAspect="1" noMove="1" noResize="1" noEditPoints="1" noAdjustHandles="1" noChangeArrowheads="1" noChangeShapeType="1"/>
+          </p:cNvCxnSpPr>
+          <p:nvPr>
+            <p:extLst>
+              <p:ext uri="{386F3935-93C4-4BCD-93E2-E3B085C9AB24}">
+                <p16:designElem xmlns:p16="http://schemas.microsoft.com/office/powerpoint/2015/main" val="1"/>
+              </p:ext>
+            </p:extLst>
+          </p:nvPr>
+        </p:nvCxnSpPr>
+        <p:spPr>
+          <a:xfrm>
+            <a:off x="800100" y="4555080"/>
+            <a:ext cx="10591800" cy="0"/>
+          </a:xfrm>
+          <a:prstGeom prst="line">
+            <a:avLst/>
+          </a:prstGeom>
+          <a:ln w="44450">
+            <a:solidFill>
+              <a:schemeClr val="bg1"/>
+            </a:solidFill>
+          </a:ln>
+        </p:spPr>
+        <p:style>
+          <a:lnRef idx="1">
+            <a:schemeClr val="accent1"/>
+          </a:lnRef>
+          <a:fillRef idx="0">
+            <a:schemeClr val="accent1"/>
+          </a:fillRef>
+          <a:effectRef idx="0">
+            <a:schemeClr val="accent1"/>
+          </a:effectRef>
+          <a:fontRef idx="minor">
+            <a:schemeClr val="tx1"/>
+          </a:fontRef>
+        </p:style>
+      </p:cxnSp>
+      <p:sp>
+        <p:nvSpPr>
+          <p:cNvPr id="2" name="Title 1">
+            <a:extLst>
+              <a:ext uri="{FF2B5EF4-FFF2-40B4-BE49-F238E27FC236}">
+                <a16:creationId xmlns:a16="http://schemas.microsoft.com/office/drawing/2014/main" id="{AA098BD5-C827-C457-D003-604C728F26B0}"/>
+              </a:ext>
+            </a:extLst>
+          </p:cNvPr>
+          <p:cNvSpPr>
+            <a:spLocks noGrp="1"/>
+          </p:cNvSpPr>
+          <p:nvPr>
+            <p:ph type="ctrTitle"/>
+          </p:nvPr>
+        </p:nvSpPr>
+        <p:spPr>
+          <a:xfrm>
+            <a:off x="703400" y="4702835"/>
+            <a:ext cx="10801350" cy="978772"/>
+          </a:xfrm>
+        </p:spPr>
+        <p:txBody>
+          <a:bodyPr>
+            <a:normAutofit/>
+          </a:bodyPr>
+          <a:lstStyle/>
+          <a:p>
+            <a:r>
+              <a:rPr lang="es-ES_tradnl" dirty="0">
+                <a:solidFill>
+                  <a:schemeClr val="bg1"/>
+                </a:solidFill>
+              </a:rPr>
+              <a:t>Inteligencia Artificial</a:t>
+            </a:r>
+          </a:p>
+        </p:txBody>
+      </p:sp>
+      <p:pic>
+        <p:nvPicPr>
+          <p:cNvPr id="4" name="Picture 3" descr="Vector background of vibrant colors splashing">
+            <a:extLst>
+              <a:ext uri="{FF2B5EF4-FFF2-40B4-BE49-F238E27FC236}">
+                <a16:creationId xmlns:a16="http://schemas.microsoft.com/office/drawing/2014/main" id="{201C4C40-33AE-980F-4F65-F2AAF88182E6}"/>
+              </a:ext>
+            </a:extLst>
+          </p:cNvPr>
+          <p:cNvPicPr>
+            <a:picLocks noChangeAspect="1"/>
+          </p:cNvPicPr>
+          <p:nvPr/>
+        </p:nvPicPr>
+        <p:blipFill rotWithShape="1">
+          <a:blip r:embed="rId2"/>
+          <a:srcRect t="34398" r="2" b="17120"/>
+          <a:stretch/>
+        </p:blipFill>
+        <p:spPr>
+          <a:xfrm>
+            <a:off x="800100" y="712916"/>
+            <a:ext cx="10591800" cy="3491895"/>
+          </a:xfrm>
+          <a:prstGeom prst="rect">
+            <a:avLst/>
+          </a:prstGeom>
+        </p:spPr>
+      </p:pic>
+      <p:sp>
+        <p:nvSpPr>
+          <p:cNvPr id="8" name="Subtitle 7">
+            <a:extLst>
+              <a:ext uri="{FF2B5EF4-FFF2-40B4-BE49-F238E27FC236}">
+                <a16:creationId xmlns:a16="http://schemas.microsoft.com/office/drawing/2014/main" id="{22E5F711-BB10-D9D5-656F-BD11A5C76F47}"/>
+              </a:ext>
+            </a:extLst>
+          </p:cNvPr>
+          <p:cNvSpPr>
+            <a:spLocks noGrp="1"/>
+          </p:cNvSpPr>
+          <p:nvPr>
+            <p:ph type="subTitle" idx="1"/>
+          </p:nvPr>
+        </p:nvSpPr>
+        <p:spPr/>
+        <p:txBody>
+          <a:bodyPr/>
+          <a:lstStyle/>
+          <a:p>
+            <a:endParaRPr lang="es-ES_tradnl"/>
+          </a:p>
+        </p:txBody>
+      </p:sp>
+    </p:spTree>
+    <p:extLst>
+      <p:ext uri="{BB962C8B-B14F-4D97-AF65-F5344CB8AC3E}">
+        <p14:creationId xmlns:p14="http://schemas.microsoft.com/office/powerpoint/2010/main" val="3739143396"/>
+      </p:ext>
+    </p:extLst>
+  </p:cSld>
+  <p:clrMapOvr>
+    <a:masterClrMapping/>
+  </p:clrMapOvr>
+  <p:timing>
+    <p:tnLst>
+      <p:par>
+        <p:cTn id="1" dur="indefinite" restart="never" nodeType="tmRoot">
+          <p:childTnLst>
+            <p:seq concurrent="1" nextAc="seek">
+              <p:cTn id="2" dur="indefinite" nodeType="mainSeq">
+                <p:childTnLst>
+                  <p:par>
+                    <p:cTn id="3" fill="hold">
+                      <p:stCondLst>
+                        <p:cond delay="indefinite"/>
+                        <p:cond evt="onBegin" delay="0">
+                          <p:tn val="2"/>
+                        </p:cond>
+                      </p:stCondLst>
+                      <p:childTnLst>
+                        <p:par>
+                          <p:cTn id="4" fill="hold">
+                            <p:stCondLst>
+                              <p:cond delay="0"/>
+                            </p:stCondLst>
+                            <p:childTnLst>
+                              <p:par>
+                                <p:cTn id="5" presetID="10" presetClass="entr" presetSubtype="0" fill="hold" grpId="0" nodeType="withEffect">
+                                  <p:stCondLst>
+                                    <p:cond delay="1000"/>
+                                  </p:stCondLst>
+                                  <p:iterate type="lt">
+                                    <p:tmPct val="10000"/>
+                                  </p:iterate>
+                                  <p:childTnLst>
+                                    <p:set>
+                                      <p:cBhvr>
+                                        <p:cTn id="6" dur="1" fill="hold">
+                                          <p:stCondLst>
+                                            <p:cond delay="0"/>
+                                          </p:stCondLst>
+                                        </p:cTn>
+                                        <p:tgtEl>
+                                          <p:spTgt spid="2"/>
+                                        </p:tgtEl>
+                                        <p:attrNameLst>
+                                          <p:attrName>style.visibility</p:attrName>
+                                        </p:attrNameLst>
+                                      </p:cBhvr>
+                                      <p:to>
+                                        <p:strVal val="visible"/>
+                                      </p:to>
+                                    </p:set>
+                                    <p:animEffect transition="in" filter="fade">
+                                      <p:cBhvr>
+                                        <p:cTn id="7" dur="400"/>
+                                        <p:tgtEl>
+                                          <p:spTgt spid="2"/>
+                                        </p:tgtEl>
+                                      </p:cBhvr>
+                                    </p:animEffect>
+                                  </p:childTnLst>
+                                </p:cTn>
+                              </p:par>
+                            </p:childTnLst>
+                          </p:cTn>
+                        </p:par>
+                      </p:childTnLst>
+                    </p:cTn>
+                  </p:par>
+                </p:childTnLst>
+              </p:cTn>
+              <p:prevCondLst>
+                <p:cond evt="onPrev" delay="0">
+                  <p:tgtEl>
+                    <p:sldTgt/>
+                  </p:tgtEl>
+                </p:cond>
+              </p:prevCondLst>
+              <p:nextCondLst>
+                <p:cond evt="onNext" delay="0">
+                  <p:tgtEl>
+                    <p:sldTgt/>
+                  </p:tgtEl>
+                </p:cond>
+              </p:nextCondLst>
+            </p:seq>
+          </p:childTnLst>
+        </p:cTn>
+      </p:par>
+    </p:tnLst>
+    <p:bldLst>
+      <p:bldP spid="2" grpId="0"/>
+    </p:bldLst>
+  </p:timing>
+</p:sld>
+</file>
+
+<file path=ppt/slides/slide8.xml><?xml version="1.0" encoding="utf-8"?>
+<p:sld xmlns:a="http://schemas.openxmlformats.org/drawingml/2006/main" xmlns:r="http://schemas.openxmlformats.org/officeDocument/2006/relationships" xmlns:p="http://schemas.openxmlformats.org/presentationml/2006/main">
+  <p:cSld>
+    <p:spTree>
+      <p:nvGrpSpPr>
+        <p:cNvPr id="1" name="">
+          <a:extLst>
+            <a:ext uri="{FF2B5EF4-FFF2-40B4-BE49-F238E27FC236}">
+              <a16:creationId xmlns:a16="http://schemas.microsoft.com/office/drawing/2014/main" id="{6F66C77C-06BB-CBBC-C915-B6BFD6785C27}"/>
+            </a:ext>
+          </a:extLst>
+        </p:cNvPr>
+        <p:cNvGrpSpPr/>
+        <p:nvPr/>
+      </p:nvGrpSpPr>
+      <p:grpSpPr>
+        <a:xfrm>
+          <a:off x="0" y="0"/>
+          <a:ext cx="0" cy="0"/>
+          <a:chOff x="0" y="0"/>
+          <a:chExt cx="0" cy="0"/>
+        </a:xfrm>
+      </p:grpSpPr>
+      <p:sp>
+        <p:nvSpPr>
+          <p:cNvPr id="2" name="Title 1">
+            <a:extLst>
+              <a:ext uri="{FF2B5EF4-FFF2-40B4-BE49-F238E27FC236}">
+                <a16:creationId xmlns:a16="http://schemas.microsoft.com/office/drawing/2014/main" id="{99D22063-0488-413C-9943-129EB9D67ED5}"/>
+              </a:ext>
+            </a:extLst>
+          </p:cNvPr>
+          <p:cNvSpPr>
+            <a:spLocks noGrp="1"/>
+          </p:cNvSpPr>
+          <p:nvPr>
+            <p:ph type="title"/>
+          </p:nvPr>
+        </p:nvSpPr>
+        <p:spPr/>
+        <p:txBody>
+          <a:bodyPr/>
+          <a:lstStyle/>
+          <a:p>
+            <a:r>
+              <a:rPr lang="es-ES_tradnl" dirty="0"/>
+              <a:t>Programa</a:t>
+            </a:r>
+          </a:p>
+        </p:txBody>
+      </p:sp>
+      <p:sp>
+        <p:nvSpPr>
+          <p:cNvPr id="5" name="Footer Placeholder 4">
+            <a:extLst>
+              <a:ext uri="{FF2B5EF4-FFF2-40B4-BE49-F238E27FC236}">
+                <a16:creationId xmlns:a16="http://schemas.microsoft.com/office/drawing/2014/main" id="{7DC558C6-1A2F-CB85-063F-92E9E3ABC6F3}"/>
+              </a:ext>
+            </a:extLst>
+          </p:cNvPr>
+          <p:cNvSpPr>
+            <a:spLocks noGrp="1"/>
+          </p:cNvSpPr>
+          <p:nvPr>
+            <p:ph type="ftr" sz="quarter" idx="11"/>
+          </p:nvPr>
+        </p:nvSpPr>
+        <p:spPr/>
+        <p:txBody>
+          <a:bodyPr/>
+          <a:lstStyle/>
+          <a:p>
+            <a:pPr>
+              <a:spcAft>
+                <a:spcPts val="600"/>
+              </a:spcAft>
+            </a:pPr>
+            <a:r>
+              <a:rPr lang="es-ES_tradnl" dirty="0"/>
+              <a:t>Inteligencia Artificial – CEIA – FIUBA</a:t>
+            </a:r>
+          </a:p>
+        </p:txBody>
+      </p:sp>
+      <p:sp>
+        <p:nvSpPr>
+          <p:cNvPr id="6" name="Slide Number Placeholder 5">
+            <a:extLst>
+              <a:ext uri="{FF2B5EF4-FFF2-40B4-BE49-F238E27FC236}">
+                <a16:creationId xmlns:a16="http://schemas.microsoft.com/office/drawing/2014/main" id="{6E8A6D7C-B4EC-626D-46B5-BF53B8E5A6BE}"/>
+              </a:ext>
+            </a:extLst>
+          </p:cNvPr>
+          <p:cNvSpPr>
+            <a:spLocks noGrp="1"/>
+          </p:cNvSpPr>
+          <p:nvPr>
+            <p:ph type="sldNum" sz="quarter" idx="12"/>
+          </p:nvPr>
+        </p:nvSpPr>
+        <p:spPr/>
+        <p:txBody>
+          <a:bodyPr/>
+          <a:lstStyle/>
+          <a:p>
+            <a:fld id="{87E7843D-FF13-4365-9478-9625B70A2705}" type="slidenum">
+              <a:rPr lang="en-US" smtClean="0"/>
+              <a:t>8</a:t>
+            </a:fld>
+            <a:endParaRPr lang="en-US"/>
+          </a:p>
+        </p:txBody>
+      </p:sp>
+      <p:sp>
+        <p:nvSpPr>
+          <p:cNvPr id="4" name="Content Placeholder 3">
+            <a:extLst>
+              <a:ext uri="{FF2B5EF4-FFF2-40B4-BE49-F238E27FC236}">
+                <a16:creationId xmlns:a16="http://schemas.microsoft.com/office/drawing/2014/main" id="{A87843D1-FFF7-F28B-E126-D5C29051F0DD}"/>
+              </a:ext>
+            </a:extLst>
+          </p:cNvPr>
+          <p:cNvSpPr>
+            <a:spLocks noGrp="1"/>
+          </p:cNvSpPr>
+          <p:nvPr>
+            <p:ph idx="1"/>
+          </p:nvPr>
+        </p:nvSpPr>
+        <p:spPr/>
+        <p:txBody>
+          <a:bodyPr/>
+          <a:lstStyle/>
+          <a:p>
+            <a:endParaRPr lang="es-ES_tradnl"/>
+          </a:p>
+        </p:txBody>
+      </p:sp>
+    </p:spTree>
+    <p:extLst>
+      <p:ext uri="{BB962C8B-B14F-4D97-AF65-F5344CB8AC3E}">
+        <p14:creationId xmlns:p14="http://schemas.microsoft.com/office/powerpoint/2010/main" val="1147607509"/>
       </p:ext>
     </p:extLst>
   </p:cSld>
